--- a/Big Mountain resort price prediction.pptx
+++ b/Big Mountain resort price prediction.pptx
@@ -111,6 +111,11 @@
       </a:defRPr>
     </a:lvl9pPr>
   </p:defaultTextStyle>
+  <p:extLst>
+    <p:ext uri="{EFAFB233-063F-42B5-8137-9DF3F51BA10A}">
+      <p15:sldGuideLst xmlns:p15="http://schemas.microsoft.com/office/powerpoint/2012/main"/>
+    </p:ext>
+  </p:extLst>
 </p:presentation>
 </file>
 
@@ -3910,7 +3915,7 @@
         </p:blipFill>
         <p:spPr bwMode="auto">
           <a:xfrm>
-            <a:off x="723900" y="1511301"/>
+            <a:off x="986408" y="2155240"/>
             <a:ext cx="8568183" cy="4156660"/>
           </a:xfrm>
           <a:prstGeom prst="rect">
@@ -3922,6 +3927,230 @@
           </a:ln>
         </p:spPr>
       </p:pic>
+      <p:sp>
+        <p:nvSpPr>
+          <p:cNvPr id="5" name="Content Placeholder 2">
+            <a:extLst>
+              <a:ext uri="{FF2B5EF4-FFF2-40B4-BE49-F238E27FC236}">
+                <a16:creationId xmlns:a16="http://schemas.microsoft.com/office/drawing/2014/main" id="{F9F08FA0-A003-4439-A189-344108B40CE1}"/>
+              </a:ext>
+            </a:extLst>
+          </p:cNvPr>
+          <p:cNvSpPr txBox="1">
+            <a:spLocks/>
+          </p:cNvSpPr>
+          <p:nvPr/>
+        </p:nvSpPr>
+        <p:spPr>
+          <a:xfrm>
+            <a:off x="838200" y="1825625"/>
+            <a:ext cx="10515600" cy="4351338"/>
+          </a:xfrm>
+          <a:prstGeom prst="rect">
+            <a:avLst/>
+          </a:prstGeom>
+        </p:spPr>
+        <p:txBody>
+          <a:bodyPr vert="horz" lIns="91440" tIns="45720" rIns="91440" bIns="45720" rtlCol="0">
+            <a:normAutofit/>
+          </a:bodyPr>
+          <a:lstStyle>
+            <a:lvl1pPr marL="228600" indent="-228600" algn="l" defTabSz="914400" rtl="0" eaLnBrk="1" latinLnBrk="0" hangingPunct="1">
+              <a:lnSpc>
+                <a:spcPct val="90000"/>
+              </a:lnSpc>
+              <a:spcBef>
+                <a:spcPts val="1000"/>
+              </a:spcBef>
+              <a:buFont typeface="Arial" panose="020B0604020202020204" pitchFamily="34" charset="0"/>
+              <a:buChar char="•"/>
+              <a:defRPr sz="2800" kern="1200">
+                <a:solidFill>
+                  <a:schemeClr val="tx1"/>
+                </a:solidFill>
+                <a:latin typeface="+mn-lt"/>
+                <a:ea typeface="+mn-ea"/>
+                <a:cs typeface="+mn-cs"/>
+              </a:defRPr>
+            </a:lvl1pPr>
+            <a:lvl2pPr marL="685800" indent="-228600" algn="l" defTabSz="914400" rtl="0" eaLnBrk="1" latinLnBrk="0" hangingPunct="1">
+              <a:lnSpc>
+                <a:spcPct val="90000"/>
+              </a:lnSpc>
+              <a:spcBef>
+                <a:spcPts val="500"/>
+              </a:spcBef>
+              <a:buFont typeface="Arial" panose="020B0604020202020204" pitchFamily="34" charset="0"/>
+              <a:buChar char="•"/>
+              <a:defRPr sz="2400" kern="1200">
+                <a:solidFill>
+                  <a:schemeClr val="tx1"/>
+                </a:solidFill>
+                <a:latin typeface="+mn-lt"/>
+                <a:ea typeface="+mn-ea"/>
+                <a:cs typeface="+mn-cs"/>
+              </a:defRPr>
+            </a:lvl2pPr>
+            <a:lvl3pPr marL="1143000" indent="-228600" algn="l" defTabSz="914400" rtl="0" eaLnBrk="1" latinLnBrk="0" hangingPunct="1">
+              <a:lnSpc>
+                <a:spcPct val="90000"/>
+              </a:lnSpc>
+              <a:spcBef>
+                <a:spcPts val="500"/>
+              </a:spcBef>
+              <a:buFont typeface="Arial" panose="020B0604020202020204" pitchFamily="34" charset="0"/>
+              <a:buChar char="•"/>
+              <a:defRPr sz="2000" kern="1200">
+                <a:solidFill>
+                  <a:schemeClr val="tx1"/>
+                </a:solidFill>
+                <a:latin typeface="+mn-lt"/>
+                <a:ea typeface="+mn-ea"/>
+                <a:cs typeface="+mn-cs"/>
+              </a:defRPr>
+            </a:lvl3pPr>
+            <a:lvl4pPr marL="1600200" indent="-228600" algn="l" defTabSz="914400" rtl="0" eaLnBrk="1" latinLnBrk="0" hangingPunct="1">
+              <a:lnSpc>
+                <a:spcPct val="90000"/>
+              </a:lnSpc>
+              <a:spcBef>
+                <a:spcPts val="500"/>
+              </a:spcBef>
+              <a:buFont typeface="Arial" panose="020B0604020202020204" pitchFamily="34" charset="0"/>
+              <a:buChar char="•"/>
+              <a:defRPr sz="1800" kern="1200">
+                <a:solidFill>
+                  <a:schemeClr val="tx1"/>
+                </a:solidFill>
+                <a:latin typeface="+mn-lt"/>
+                <a:ea typeface="+mn-ea"/>
+                <a:cs typeface="+mn-cs"/>
+              </a:defRPr>
+            </a:lvl4pPr>
+            <a:lvl5pPr marL="2057400" indent="-228600" algn="l" defTabSz="914400" rtl="0" eaLnBrk="1" latinLnBrk="0" hangingPunct="1">
+              <a:lnSpc>
+                <a:spcPct val="90000"/>
+              </a:lnSpc>
+              <a:spcBef>
+                <a:spcPts val="500"/>
+              </a:spcBef>
+              <a:buFont typeface="Arial" panose="020B0604020202020204" pitchFamily="34" charset="0"/>
+              <a:buChar char="•"/>
+              <a:defRPr sz="1800" kern="1200">
+                <a:solidFill>
+                  <a:schemeClr val="tx1"/>
+                </a:solidFill>
+                <a:latin typeface="+mn-lt"/>
+                <a:ea typeface="+mn-ea"/>
+                <a:cs typeface="+mn-cs"/>
+              </a:defRPr>
+            </a:lvl5pPr>
+            <a:lvl6pPr marL="2514600" indent="-228600" algn="l" defTabSz="914400" rtl="0" eaLnBrk="1" latinLnBrk="0" hangingPunct="1">
+              <a:lnSpc>
+                <a:spcPct val="90000"/>
+              </a:lnSpc>
+              <a:spcBef>
+                <a:spcPts val="500"/>
+              </a:spcBef>
+              <a:buFont typeface="Arial" panose="020B0604020202020204" pitchFamily="34" charset="0"/>
+              <a:buChar char="•"/>
+              <a:defRPr sz="1800" kern="1200">
+                <a:solidFill>
+                  <a:schemeClr val="tx1"/>
+                </a:solidFill>
+                <a:latin typeface="+mn-lt"/>
+                <a:ea typeface="+mn-ea"/>
+                <a:cs typeface="+mn-cs"/>
+              </a:defRPr>
+            </a:lvl6pPr>
+            <a:lvl7pPr marL="2971800" indent="-228600" algn="l" defTabSz="914400" rtl="0" eaLnBrk="1" latinLnBrk="0" hangingPunct="1">
+              <a:lnSpc>
+                <a:spcPct val="90000"/>
+              </a:lnSpc>
+              <a:spcBef>
+                <a:spcPts val="500"/>
+              </a:spcBef>
+              <a:buFont typeface="Arial" panose="020B0604020202020204" pitchFamily="34" charset="0"/>
+              <a:buChar char="•"/>
+              <a:defRPr sz="1800" kern="1200">
+                <a:solidFill>
+                  <a:schemeClr val="tx1"/>
+                </a:solidFill>
+                <a:latin typeface="+mn-lt"/>
+                <a:ea typeface="+mn-ea"/>
+                <a:cs typeface="+mn-cs"/>
+              </a:defRPr>
+            </a:lvl7pPr>
+            <a:lvl8pPr marL="3429000" indent="-228600" algn="l" defTabSz="914400" rtl="0" eaLnBrk="1" latinLnBrk="0" hangingPunct="1">
+              <a:lnSpc>
+                <a:spcPct val="90000"/>
+              </a:lnSpc>
+              <a:spcBef>
+                <a:spcPts val="500"/>
+              </a:spcBef>
+              <a:buFont typeface="Arial" panose="020B0604020202020204" pitchFamily="34" charset="0"/>
+              <a:buChar char="•"/>
+              <a:defRPr sz="1800" kern="1200">
+                <a:solidFill>
+                  <a:schemeClr val="tx1"/>
+                </a:solidFill>
+                <a:latin typeface="+mn-lt"/>
+                <a:ea typeface="+mn-ea"/>
+                <a:cs typeface="+mn-cs"/>
+              </a:defRPr>
+            </a:lvl8pPr>
+            <a:lvl9pPr marL="3886200" indent="-228600" algn="l" defTabSz="914400" rtl="0" eaLnBrk="1" latinLnBrk="0" hangingPunct="1">
+              <a:lnSpc>
+                <a:spcPct val="90000"/>
+              </a:lnSpc>
+              <a:spcBef>
+                <a:spcPts val="500"/>
+              </a:spcBef>
+              <a:buFont typeface="Arial" panose="020B0604020202020204" pitchFamily="34" charset="0"/>
+              <a:buChar char="•"/>
+              <a:defRPr sz="1800" kern="1200">
+                <a:solidFill>
+                  <a:schemeClr val="tx1"/>
+                </a:solidFill>
+                <a:latin typeface="+mn-lt"/>
+                <a:ea typeface="+mn-ea"/>
+                <a:cs typeface="+mn-cs"/>
+              </a:defRPr>
+            </a:lvl9pPr>
+          </a:lstStyle>
+          <a:p>
+            <a:pPr marL="342900" indent="-342900">
+              <a:lnSpc>
+                <a:spcPct val="107000"/>
+              </a:lnSpc>
+              <a:spcBef>
+                <a:spcPts val="0"/>
+              </a:spcBef>
+              <a:buFont typeface="Symbol" panose="05050102010706020507" pitchFamily="18" charset="2"/>
+              <a:buChar char=""/>
+            </a:pPr>
+            <a:r>
+              <a:rPr lang="en-US" sz="1600" b="0" i="0" dirty="0" err="1">
+                <a:solidFill>
+                  <a:srgbClr val="000000"/>
+                </a:solidFill>
+                <a:effectLst/>
+              </a:rPr>
+              <a:t>Aftering</a:t>
+            </a:r>
+            <a:r>
+              <a:rPr lang="en-US" sz="1600" b="0" i="0" dirty="0">
+                <a:solidFill>
+                  <a:srgbClr val="000000"/>
+                </a:solidFill>
+                <a:effectLst/>
+              </a:rPr>
+              <a:t> perform a PCA there wasn't a clear way to segment the states which gives us some evidence on why we should treat all the states equally moving forward</a:t>
+            </a:r>
+            <a:endParaRPr lang="en-US" sz="1600" dirty="0"/>
+          </a:p>
+        </p:txBody>
+      </p:sp>
     </p:spTree>
     <p:extLst>
       <p:ext uri="{BB962C8B-B14F-4D97-AF65-F5344CB8AC3E}">

--- a/Big Mountain resort price prediction.pptx
+++ b/Big Mountain resort price prediction.pptx
@@ -4130,22 +4130,13 @@
               <a:buChar char=""/>
             </a:pPr>
             <a:r>
-              <a:rPr lang="en-US" sz="1600" b="0" i="0" dirty="0" err="1">
-                <a:solidFill>
-                  <a:srgbClr val="000000"/>
-                </a:solidFill>
-                <a:effectLst/>
-              </a:rPr>
-              <a:t>Aftering</a:t>
-            </a:r>
-            <a:r>
               <a:rPr lang="en-US" sz="1600" b="0" i="0" dirty="0">
                 <a:solidFill>
                   <a:srgbClr val="000000"/>
                 </a:solidFill>
                 <a:effectLst/>
               </a:rPr>
-              <a:t> perform a PCA there wasn't a clear way to segment the states which gives us some evidence on why we should treat all the states equally moving forward</a:t>
+              <a:t>After perform a PCA there wasn't a clear way to segment the states which gives us some evidence on why we should treat all the states equally moving forward</a:t>
             </a:r>
             <a:endParaRPr lang="en-US" sz="1600" dirty="0"/>
           </a:p>
